--- a/qpcr/gDNA-qPCR-notes.pptx
+++ b/qpcr/gDNA-qPCR-notes.pptx
@@ -521,7 +521,6 @@
               <a:rPr lang="en-US" dirty="0" smtClean="0"/>
               <a:t>12157105</a:t>
             </a:r>
-            <a:endParaRPr lang="en-US" dirty="0" smtClean="0"/>
           </a:p>
           <a:p>
             <a:r>
@@ -592,11 +591,7 @@
           <a:p>
             <a:r>
               <a:rPr lang="en-US" dirty="0" smtClean="0"/>
-              <a:t>0.5 -&gt; </a:t>
-            </a:r>
-            <a:r>
-              <a:rPr lang="en-US" dirty="0" smtClean="0"/>
-              <a:t>40</a:t>
+              <a:t>0.5 -&gt; 40</a:t>
             </a:r>
           </a:p>
           <a:p>
@@ -11410,7 +11405,23 @@
           <a:p>
             <a:r>
               <a:rPr lang="en-US" dirty="0" smtClean="0"/>
-              <a:t>On the lower end, the number of genome copies should probably not go below 30 to keep random variation small relative to the mean and to avoid having 0 copies of your specific locus of interest present. Moreover, the target low end Ct value is 20. </a:t>
+              <a:t>On the lower end, the number of genome copies should probably not go below 30 to keep random variation small relative to the mean and to avoid having 0 copies of your specific locus of interest present. Moreover, the target low </a:t>
+            </a:r>
+            <a:r>
+              <a:rPr lang="en-US" dirty="0" smtClean="0"/>
+              <a:t>end (copy number) </a:t>
+            </a:r>
+            <a:r>
+              <a:rPr lang="en-US" dirty="0" smtClean="0"/>
+              <a:t>Ct value is </a:t>
+            </a:r>
+            <a:r>
+              <a:rPr lang="en-US" dirty="0" smtClean="0"/>
+              <a:t>30</a:t>
+            </a:r>
+            <a:r>
+              <a:rPr lang="en-US" dirty="0" smtClean="0"/>
+              <a:t>. </a:t>
             </a:r>
           </a:p>
           <a:p>
@@ -11419,7 +11430,31 @@
           <a:p>
             <a:r>
               <a:rPr lang="en-US" dirty="0" smtClean="0"/>
-              <a:t>On the higher end, the target Ct value is around 30. There is a 2</a:t>
+              <a:t>On the higher </a:t>
+            </a:r>
+            <a:r>
+              <a:rPr lang="en-US" dirty="0" smtClean="0"/>
+              <a:t>end for </a:t>
+            </a:r>
+            <a:r>
+              <a:rPr lang="en-US" smtClean="0"/>
+              <a:t>copy number, </a:t>
+            </a:r>
+            <a:r>
+              <a:rPr lang="en-US" dirty="0" smtClean="0"/>
+              <a:t>the target Ct value is </a:t>
+            </a:r>
+            <a:r>
+              <a:rPr lang="en-US" smtClean="0"/>
+              <a:t>around </a:t>
+            </a:r>
+            <a:r>
+              <a:rPr lang="en-US" smtClean="0"/>
+              <a:t>20</a:t>
+            </a:r>
+            <a:r>
+              <a:rPr lang="en-US" dirty="0" smtClean="0"/>
+              <a:t>. There is a 2</a:t>
             </a:r>
             <a:r>
               <a:rPr lang="en-US" baseline="30000" dirty="0" smtClean="0"/>
